--- a/ppt 16-9/0818.向神仰望.pptx
+++ b/ppt 16-9/0818.向神仰望.pptx
@@ -129,7 +129,7 @@
           <p:cNvPr id="2" name="标题 1">
             <a:extLst>
               <a:ext uri="{FF2B5EF4-FFF2-40B4-BE49-F238E27FC236}">
-                <a16:creationId xmlns:a16="http://schemas.microsoft.com/office/drawing/2014/main" id="{99EF1126-361A-0EB5-EB6F-E65BE98C0713}"/>
+                <a16:creationId xmlns:a16="http://schemas.microsoft.com/office/drawing/2014/main" id="{C1E35557-132A-EE05-935D-A3D4C331841F}"/>
               </a:ext>
             </a:extLst>
           </p:cNvPr>
@@ -166,7 +166,7 @@
           <p:cNvPr id="3" name="副标题 2">
             <a:extLst>
               <a:ext uri="{FF2B5EF4-FFF2-40B4-BE49-F238E27FC236}">
-                <a16:creationId xmlns:a16="http://schemas.microsoft.com/office/drawing/2014/main" id="{FB065A07-4FA8-2AE9-A5E7-2DE0DDADB036}"/>
+                <a16:creationId xmlns:a16="http://schemas.microsoft.com/office/drawing/2014/main" id="{A051AB47-5F8C-155C-316F-EF52A99F9DAD}"/>
               </a:ext>
             </a:extLst>
           </p:cNvPr>
@@ -236,7 +236,7 @@
           <p:cNvPr id="4" name="日期占位符 3">
             <a:extLst>
               <a:ext uri="{FF2B5EF4-FFF2-40B4-BE49-F238E27FC236}">
-                <a16:creationId xmlns:a16="http://schemas.microsoft.com/office/drawing/2014/main" id="{0A621109-EAD7-D3F5-AE63-7329155B56F8}"/>
+                <a16:creationId xmlns:a16="http://schemas.microsoft.com/office/drawing/2014/main" id="{A3640CEB-CEDF-CBED-F258-0E16E187FD67}"/>
               </a:ext>
             </a:extLst>
           </p:cNvPr>
@@ -252,7 +252,7 @@
           <a:bodyPr/>
           <a:lstStyle/>
           <a:p>
-            <a:fld id="{DE4FACD0-4350-4C3B-BA98-0B32BA826B58}" type="datetimeFigureOut">
+            <a:fld id="{C28A1082-2CB0-49A1-A2C5-B07A600F5C82}" type="datetimeFigureOut">
               <a:rPr lang="zh-CN" altLang="en-US" smtClean="0"/>
               <a:t>2024/3/10</a:t>
             </a:fld>
@@ -265,7 +265,7 @@
           <p:cNvPr id="5" name="页脚占位符 4">
             <a:extLst>
               <a:ext uri="{FF2B5EF4-FFF2-40B4-BE49-F238E27FC236}">
-                <a16:creationId xmlns:a16="http://schemas.microsoft.com/office/drawing/2014/main" id="{C45C662D-0665-CF9D-9789-1EC0D2398875}"/>
+                <a16:creationId xmlns:a16="http://schemas.microsoft.com/office/drawing/2014/main" id="{FF628370-186B-7733-5118-65F09F1C667C}"/>
               </a:ext>
             </a:extLst>
           </p:cNvPr>
@@ -290,7 +290,7 @@
           <p:cNvPr id="6" name="灯片编号占位符 5">
             <a:extLst>
               <a:ext uri="{FF2B5EF4-FFF2-40B4-BE49-F238E27FC236}">
-                <a16:creationId xmlns:a16="http://schemas.microsoft.com/office/drawing/2014/main" id="{8580584D-F239-FFDE-A61B-3E8E43544A38}"/>
+                <a16:creationId xmlns:a16="http://schemas.microsoft.com/office/drawing/2014/main" id="{C127DB3A-A088-313A-F0A8-78BA11B5D8D2}"/>
               </a:ext>
             </a:extLst>
           </p:cNvPr>
@@ -306,7 +306,7 @@
           <a:bodyPr/>
           <a:lstStyle/>
           <a:p>
-            <a:fld id="{2859BFD4-2EDA-4E1D-A65E-212221953778}" type="slidenum">
+            <a:fld id="{ADE3FD26-F8EE-4FC9-953A-E7C9F644B483}" type="slidenum">
               <a:rPr lang="zh-CN" altLang="en-US" smtClean="0"/>
               <a:t>‹#›</a:t>
             </a:fld>
@@ -317,7 +317,7 @@
     </p:spTree>
     <p:extLst>
       <p:ext uri="{BB962C8B-B14F-4D97-AF65-F5344CB8AC3E}">
-        <p14:creationId xmlns:p14="http://schemas.microsoft.com/office/powerpoint/2010/main" val="2320041654"/>
+        <p14:creationId xmlns:p14="http://schemas.microsoft.com/office/powerpoint/2010/main" val="4058558194"/>
       </p:ext>
     </p:extLst>
   </p:cSld>
@@ -349,7 +349,7 @@
           <p:cNvPr id="2" name="标题 1">
             <a:extLst>
               <a:ext uri="{FF2B5EF4-FFF2-40B4-BE49-F238E27FC236}">
-                <a16:creationId xmlns:a16="http://schemas.microsoft.com/office/drawing/2014/main" id="{9F1849BA-028D-B299-1B1B-0E1D81E3A4C2}"/>
+                <a16:creationId xmlns:a16="http://schemas.microsoft.com/office/drawing/2014/main" id="{033966EB-3865-9854-7152-111B765BD544}"/>
               </a:ext>
             </a:extLst>
           </p:cNvPr>
@@ -377,7 +377,7 @@
           <p:cNvPr id="3" name="竖排文字占位符 2">
             <a:extLst>
               <a:ext uri="{FF2B5EF4-FFF2-40B4-BE49-F238E27FC236}">
-                <a16:creationId xmlns:a16="http://schemas.microsoft.com/office/drawing/2014/main" id="{21C9AF2F-59E3-32B8-FDEA-91EDDEE79E1C}"/>
+                <a16:creationId xmlns:a16="http://schemas.microsoft.com/office/drawing/2014/main" id="{1648DAA5-70FF-15CB-DC6E-16A865C0327E}"/>
               </a:ext>
             </a:extLst>
           </p:cNvPr>
@@ -434,7 +434,7 @@
           <p:cNvPr id="4" name="日期占位符 3">
             <a:extLst>
               <a:ext uri="{FF2B5EF4-FFF2-40B4-BE49-F238E27FC236}">
-                <a16:creationId xmlns:a16="http://schemas.microsoft.com/office/drawing/2014/main" id="{D4392761-A2A3-913B-3F94-0FA563531CB4}"/>
+                <a16:creationId xmlns:a16="http://schemas.microsoft.com/office/drawing/2014/main" id="{E479E1D8-6B66-CB15-96E2-4258C03EC567}"/>
               </a:ext>
             </a:extLst>
           </p:cNvPr>
@@ -450,7 +450,7 @@
           <a:bodyPr/>
           <a:lstStyle/>
           <a:p>
-            <a:fld id="{DE4FACD0-4350-4C3B-BA98-0B32BA826B58}" type="datetimeFigureOut">
+            <a:fld id="{C28A1082-2CB0-49A1-A2C5-B07A600F5C82}" type="datetimeFigureOut">
               <a:rPr lang="zh-CN" altLang="en-US" smtClean="0"/>
               <a:t>2024/3/10</a:t>
             </a:fld>
@@ -463,7 +463,7 @@
           <p:cNvPr id="5" name="页脚占位符 4">
             <a:extLst>
               <a:ext uri="{FF2B5EF4-FFF2-40B4-BE49-F238E27FC236}">
-                <a16:creationId xmlns:a16="http://schemas.microsoft.com/office/drawing/2014/main" id="{BF0C4408-23EF-1061-89AF-520C8D6FA02C}"/>
+                <a16:creationId xmlns:a16="http://schemas.microsoft.com/office/drawing/2014/main" id="{913DA747-BE2F-B93C-D552-6AE5E0CFEC10}"/>
               </a:ext>
             </a:extLst>
           </p:cNvPr>
@@ -488,7 +488,7 @@
           <p:cNvPr id="6" name="灯片编号占位符 5">
             <a:extLst>
               <a:ext uri="{FF2B5EF4-FFF2-40B4-BE49-F238E27FC236}">
-                <a16:creationId xmlns:a16="http://schemas.microsoft.com/office/drawing/2014/main" id="{E66A2C07-1BA6-6E28-3E56-86C00DE15528}"/>
+                <a16:creationId xmlns:a16="http://schemas.microsoft.com/office/drawing/2014/main" id="{F1DE36E8-9509-981D-0BD6-8C072B57E7F1}"/>
               </a:ext>
             </a:extLst>
           </p:cNvPr>
@@ -504,7 +504,7 @@
           <a:bodyPr/>
           <a:lstStyle/>
           <a:p>
-            <a:fld id="{2859BFD4-2EDA-4E1D-A65E-212221953778}" type="slidenum">
+            <a:fld id="{ADE3FD26-F8EE-4FC9-953A-E7C9F644B483}" type="slidenum">
               <a:rPr lang="zh-CN" altLang="en-US" smtClean="0"/>
               <a:t>‹#›</a:t>
             </a:fld>
@@ -515,7 +515,7 @@
     </p:spTree>
     <p:extLst>
       <p:ext uri="{BB962C8B-B14F-4D97-AF65-F5344CB8AC3E}">
-        <p14:creationId xmlns:p14="http://schemas.microsoft.com/office/powerpoint/2010/main" val="817457192"/>
+        <p14:creationId xmlns:p14="http://schemas.microsoft.com/office/powerpoint/2010/main" val="1811103834"/>
       </p:ext>
     </p:extLst>
   </p:cSld>
@@ -547,7 +547,7 @@
           <p:cNvPr id="2" name="竖排标题 1">
             <a:extLst>
               <a:ext uri="{FF2B5EF4-FFF2-40B4-BE49-F238E27FC236}">
-                <a16:creationId xmlns:a16="http://schemas.microsoft.com/office/drawing/2014/main" id="{AEF946C4-4BC0-1FDA-8285-8E4EF79EDCEC}"/>
+                <a16:creationId xmlns:a16="http://schemas.microsoft.com/office/drawing/2014/main" id="{2FEFB800-29EC-49D7-63C4-77A13FF952F0}"/>
               </a:ext>
             </a:extLst>
           </p:cNvPr>
@@ -580,7 +580,7 @@
           <p:cNvPr id="3" name="竖排文字占位符 2">
             <a:extLst>
               <a:ext uri="{FF2B5EF4-FFF2-40B4-BE49-F238E27FC236}">
-                <a16:creationId xmlns:a16="http://schemas.microsoft.com/office/drawing/2014/main" id="{D758E2BD-540C-3197-835D-8381050FA6FA}"/>
+                <a16:creationId xmlns:a16="http://schemas.microsoft.com/office/drawing/2014/main" id="{A58BBA75-30E7-7E2A-04A9-7646FE5F65F9}"/>
               </a:ext>
             </a:extLst>
           </p:cNvPr>
@@ -642,7 +642,7 @@
           <p:cNvPr id="4" name="日期占位符 3">
             <a:extLst>
               <a:ext uri="{FF2B5EF4-FFF2-40B4-BE49-F238E27FC236}">
-                <a16:creationId xmlns:a16="http://schemas.microsoft.com/office/drawing/2014/main" id="{5F3E144D-AB07-69AE-BA96-19EE357B3E0F}"/>
+                <a16:creationId xmlns:a16="http://schemas.microsoft.com/office/drawing/2014/main" id="{338C80C8-F16F-DEAB-46A5-0C4F7196E2CA}"/>
               </a:ext>
             </a:extLst>
           </p:cNvPr>
@@ -658,7 +658,7 @@
           <a:bodyPr/>
           <a:lstStyle/>
           <a:p>
-            <a:fld id="{DE4FACD0-4350-4C3B-BA98-0B32BA826B58}" type="datetimeFigureOut">
+            <a:fld id="{C28A1082-2CB0-49A1-A2C5-B07A600F5C82}" type="datetimeFigureOut">
               <a:rPr lang="zh-CN" altLang="en-US" smtClean="0"/>
               <a:t>2024/3/10</a:t>
             </a:fld>
@@ -671,7 +671,7 @@
           <p:cNvPr id="5" name="页脚占位符 4">
             <a:extLst>
               <a:ext uri="{FF2B5EF4-FFF2-40B4-BE49-F238E27FC236}">
-                <a16:creationId xmlns:a16="http://schemas.microsoft.com/office/drawing/2014/main" id="{0D32B160-5CD0-C4D7-9E38-C7F7476A11F8}"/>
+                <a16:creationId xmlns:a16="http://schemas.microsoft.com/office/drawing/2014/main" id="{06858043-082D-EDF1-2BB0-AD34C0921697}"/>
               </a:ext>
             </a:extLst>
           </p:cNvPr>
@@ -696,7 +696,7 @@
           <p:cNvPr id="6" name="灯片编号占位符 5">
             <a:extLst>
               <a:ext uri="{FF2B5EF4-FFF2-40B4-BE49-F238E27FC236}">
-                <a16:creationId xmlns:a16="http://schemas.microsoft.com/office/drawing/2014/main" id="{42EBDD2C-553A-AB72-856C-C233E3BA28E0}"/>
+                <a16:creationId xmlns:a16="http://schemas.microsoft.com/office/drawing/2014/main" id="{29B1F22E-F8F6-090A-E800-03A3BEDA6762}"/>
               </a:ext>
             </a:extLst>
           </p:cNvPr>
@@ -712,7 +712,7 @@
           <a:bodyPr/>
           <a:lstStyle/>
           <a:p>
-            <a:fld id="{2859BFD4-2EDA-4E1D-A65E-212221953778}" type="slidenum">
+            <a:fld id="{ADE3FD26-F8EE-4FC9-953A-E7C9F644B483}" type="slidenum">
               <a:rPr lang="zh-CN" altLang="en-US" smtClean="0"/>
               <a:t>‹#›</a:t>
             </a:fld>
@@ -723,7 +723,7 @@
     </p:spTree>
     <p:extLst>
       <p:ext uri="{BB962C8B-B14F-4D97-AF65-F5344CB8AC3E}">
-        <p14:creationId xmlns:p14="http://schemas.microsoft.com/office/powerpoint/2010/main" val="1894484805"/>
+        <p14:creationId xmlns:p14="http://schemas.microsoft.com/office/powerpoint/2010/main" val="4157367787"/>
       </p:ext>
     </p:extLst>
   </p:cSld>
@@ -755,7 +755,7 @@
           <p:cNvPr id="2" name="标题 1">
             <a:extLst>
               <a:ext uri="{FF2B5EF4-FFF2-40B4-BE49-F238E27FC236}">
-                <a16:creationId xmlns:a16="http://schemas.microsoft.com/office/drawing/2014/main" id="{F1957930-7348-17A1-5885-6BBBECB9EB6A}"/>
+                <a16:creationId xmlns:a16="http://schemas.microsoft.com/office/drawing/2014/main" id="{6D116564-243E-A2AE-2547-8FAD357DF395}"/>
               </a:ext>
             </a:extLst>
           </p:cNvPr>
@@ -783,7 +783,7 @@
           <p:cNvPr id="3" name="内容占位符 2">
             <a:extLst>
               <a:ext uri="{FF2B5EF4-FFF2-40B4-BE49-F238E27FC236}">
-                <a16:creationId xmlns:a16="http://schemas.microsoft.com/office/drawing/2014/main" id="{9792DB65-FB59-4A94-783A-B301DF05B42E}"/>
+                <a16:creationId xmlns:a16="http://schemas.microsoft.com/office/drawing/2014/main" id="{E9CFF5DB-BA8E-83EE-840F-F6BC5E1CC5E0}"/>
               </a:ext>
             </a:extLst>
           </p:cNvPr>
@@ -840,7 +840,7 @@
           <p:cNvPr id="4" name="日期占位符 3">
             <a:extLst>
               <a:ext uri="{FF2B5EF4-FFF2-40B4-BE49-F238E27FC236}">
-                <a16:creationId xmlns:a16="http://schemas.microsoft.com/office/drawing/2014/main" id="{04480975-4066-5696-717B-8FFE3FC76997}"/>
+                <a16:creationId xmlns:a16="http://schemas.microsoft.com/office/drawing/2014/main" id="{DACBBE2E-792E-7908-2DE4-D007BCEF7D6D}"/>
               </a:ext>
             </a:extLst>
           </p:cNvPr>
@@ -856,7 +856,7 @@
           <a:bodyPr/>
           <a:lstStyle/>
           <a:p>
-            <a:fld id="{DE4FACD0-4350-4C3B-BA98-0B32BA826B58}" type="datetimeFigureOut">
+            <a:fld id="{C28A1082-2CB0-49A1-A2C5-B07A600F5C82}" type="datetimeFigureOut">
               <a:rPr lang="zh-CN" altLang="en-US" smtClean="0"/>
               <a:t>2024/3/10</a:t>
             </a:fld>
@@ -869,7 +869,7 @@
           <p:cNvPr id="5" name="页脚占位符 4">
             <a:extLst>
               <a:ext uri="{FF2B5EF4-FFF2-40B4-BE49-F238E27FC236}">
-                <a16:creationId xmlns:a16="http://schemas.microsoft.com/office/drawing/2014/main" id="{17457DB4-7619-8F43-C25E-0AF3EF9AC5F7}"/>
+                <a16:creationId xmlns:a16="http://schemas.microsoft.com/office/drawing/2014/main" id="{54780CF9-AA1A-2160-D6F0-A785C531B4F5}"/>
               </a:ext>
             </a:extLst>
           </p:cNvPr>
@@ -894,7 +894,7 @@
           <p:cNvPr id="6" name="灯片编号占位符 5">
             <a:extLst>
               <a:ext uri="{FF2B5EF4-FFF2-40B4-BE49-F238E27FC236}">
-                <a16:creationId xmlns:a16="http://schemas.microsoft.com/office/drawing/2014/main" id="{70ECC508-43B2-C60B-6110-F14AD4BF37EF}"/>
+                <a16:creationId xmlns:a16="http://schemas.microsoft.com/office/drawing/2014/main" id="{C3DA5B2F-534E-6043-164E-ABBC76545AEA}"/>
               </a:ext>
             </a:extLst>
           </p:cNvPr>
@@ -910,7 +910,7 @@
           <a:bodyPr/>
           <a:lstStyle/>
           <a:p>
-            <a:fld id="{2859BFD4-2EDA-4E1D-A65E-212221953778}" type="slidenum">
+            <a:fld id="{ADE3FD26-F8EE-4FC9-953A-E7C9F644B483}" type="slidenum">
               <a:rPr lang="zh-CN" altLang="en-US" smtClean="0"/>
               <a:t>‹#›</a:t>
             </a:fld>
@@ -921,7 +921,7 @@
     </p:spTree>
     <p:extLst>
       <p:ext uri="{BB962C8B-B14F-4D97-AF65-F5344CB8AC3E}">
-        <p14:creationId xmlns:p14="http://schemas.microsoft.com/office/powerpoint/2010/main" val="3501546734"/>
+        <p14:creationId xmlns:p14="http://schemas.microsoft.com/office/powerpoint/2010/main" val="3155156960"/>
       </p:ext>
     </p:extLst>
   </p:cSld>
@@ -953,7 +953,7 @@
           <p:cNvPr id="2" name="标题 1">
             <a:extLst>
               <a:ext uri="{FF2B5EF4-FFF2-40B4-BE49-F238E27FC236}">
-                <a16:creationId xmlns:a16="http://schemas.microsoft.com/office/drawing/2014/main" id="{71583B70-993A-E515-A68E-5B6AF279764E}"/>
+                <a16:creationId xmlns:a16="http://schemas.microsoft.com/office/drawing/2014/main" id="{3D2DF394-6823-F108-341E-12E812D3866F}"/>
               </a:ext>
             </a:extLst>
           </p:cNvPr>
@@ -990,7 +990,7 @@
           <p:cNvPr id="3" name="文本占位符 2">
             <a:extLst>
               <a:ext uri="{FF2B5EF4-FFF2-40B4-BE49-F238E27FC236}">
-                <a16:creationId xmlns:a16="http://schemas.microsoft.com/office/drawing/2014/main" id="{F50EC737-1361-FE13-1D51-B5FB1AD157CA}"/>
+                <a16:creationId xmlns:a16="http://schemas.microsoft.com/office/drawing/2014/main" id="{75E39183-50A1-69FD-B67A-11946CC1C6D2}"/>
               </a:ext>
             </a:extLst>
           </p:cNvPr>
@@ -1115,7 +1115,7 @@
           <p:cNvPr id="4" name="日期占位符 3">
             <a:extLst>
               <a:ext uri="{FF2B5EF4-FFF2-40B4-BE49-F238E27FC236}">
-                <a16:creationId xmlns:a16="http://schemas.microsoft.com/office/drawing/2014/main" id="{63713AAE-A80B-FD79-564E-396D953D2854}"/>
+                <a16:creationId xmlns:a16="http://schemas.microsoft.com/office/drawing/2014/main" id="{E8D81583-465C-84DF-E33C-5D7A513A0B30}"/>
               </a:ext>
             </a:extLst>
           </p:cNvPr>
@@ -1131,7 +1131,7 @@
           <a:bodyPr/>
           <a:lstStyle/>
           <a:p>
-            <a:fld id="{DE4FACD0-4350-4C3B-BA98-0B32BA826B58}" type="datetimeFigureOut">
+            <a:fld id="{C28A1082-2CB0-49A1-A2C5-B07A600F5C82}" type="datetimeFigureOut">
               <a:rPr lang="zh-CN" altLang="en-US" smtClean="0"/>
               <a:t>2024/3/10</a:t>
             </a:fld>
@@ -1144,7 +1144,7 @@
           <p:cNvPr id="5" name="页脚占位符 4">
             <a:extLst>
               <a:ext uri="{FF2B5EF4-FFF2-40B4-BE49-F238E27FC236}">
-                <a16:creationId xmlns:a16="http://schemas.microsoft.com/office/drawing/2014/main" id="{30501E36-1968-D51B-2F5A-8D8A1915ED8B}"/>
+                <a16:creationId xmlns:a16="http://schemas.microsoft.com/office/drawing/2014/main" id="{A80A896F-B2C9-CB6C-3745-A1578946D360}"/>
               </a:ext>
             </a:extLst>
           </p:cNvPr>
@@ -1169,7 +1169,7 @@
           <p:cNvPr id="6" name="灯片编号占位符 5">
             <a:extLst>
               <a:ext uri="{FF2B5EF4-FFF2-40B4-BE49-F238E27FC236}">
-                <a16:creationId xmlns:a16="http://schemas.microsoft.com/office/drawing/2014/main" id="{8B6F9EF6-BCE8-1703-DB4F-BAF548CB8031}"/>
+                <a16:creationId xmlns:a16="http://schemas.microsoft.com/office/drawing/2014/main" id="{20E5F42F-C85F-A190-784B-6BA986B34652}"/>
               </a:ext>
             </a:extLst>
           </p:cNvPr>
@@ -1185,7 +1185,7 @@
           <a:bodyPr/>
           <a:lstStyle/>
           <a:p>
-            <a:fld id="{2859BFD4-2EDA-4E1D-A65E-212221953778}" type="slidenum">
+            <a:fld id="{ADE3FD26-F8EE-4FC9-953A-E7C9F644B483}" type="slidenum">
               <a:rPr lang="zh-CN" altLang="en-US" smtClean="0"/>
               <a:t>‹#›</a:t>
             </a:fld>
@@ -1196,7 +1196,7 @@
     </p:spTree>
     <p:extLst>
       <p:ext uri="{BB962C8B-B14F-4D97-AF65-F5344CB8AC3E}">
-        <p14:creationId xmlns:p14="http://schemas.microsoft.com/office/powerpoint/2010/main" val="756568391"/>
+        <p14:creationId xmlns:p14="http://schemas.microsoft.com/office/powerpoint/2010/main" val="1501682661"/>
       </p:ext>
     </p:extLst>
   </p:cSld>
@@ -1228,7 +1228,7 @@
           <p:cNvPr id="2" name="标题 1">
             <a:extLst>
               <a:ext uri="{FF2B5EF4-FFF2-40B4-BE49-F238E27FC236}">
-                <a16:creationId xmlns:a16="http://schemas.microsoft.com/office/drawing/2014/main" id="{2018AAF2-339B-74F4-166B-5C42AF7B191B}"/>
+                <a16:creationId xmlns:a16="http://schemas.microsoft.com/office/drawing/2014/main" id="{B78B1751-350F-5429-C53F-CAF1C78CCC2C}"/>
               </a:ext>
             </a:extLst>
           </p:cNvPr>
@@ -1256,7 +1256,7 @@
           <p:cNvPr id="3" name="内容占位符 2">
             <a:extLst>
               <a:ext uri="{FF2B5EF4-FFF2-40B4-BE49-F238E27FC236}">
-                <a16:creationId xmlns:a16="http://schemas.microsoft.com/office/drawing/2014/main" id="{E4F44AC4-A9E9-6518-3EA9-3B8BE60DC8ED}"/>
+                <a16:creationId xmlns:a16="http://schemas.microsoft.com/office/drawing/2014/main" id="{495D97DA-CD3A-9246-E6A6-65D26D019F84}"/>
               </a:ext>
             </a:extLst>
           </p:cNvPr>
@@ -1318,7 +1318,7 @@
           <p:cNvPr id="4" name="内容占位符 3">
             <a:extLst>
               <a:ext uri="{FF2B5EF4-FFF2-40B4-BE49-F238E27FC236}">
-                <a16:creationId xmlns:a16="http://schemas.microsoft.com/office/drawing/2014/main" id="{D5C3D69E-C5DA-1267-3EFD-6C22D9429628}"/>
+                <a16:creationId xmlns:a16="http://schemas.microsoft.com/office/drawing/2014/main" id="{14E0951B-A521-A529-99B0-2B71A8E6ED95}"/>
               </a:ext>
             </a:extLst>
           </p:cNvPr>
@@ -1380,7 +1380,7 @@
           <p:cNvPr id="5" name="日期占位符 4">
             <a:extLst>
               <a:ext uri="{FF2B5EF4-FFF2-40B4-BE49-F238E27FC236}">
-                <a16:creationId xmlns:a16="http://schemas.microsoft.com/office/drawing/2014/main" id="{4ECC4075-6734-D1E2-327C-9EC6FADF3447}"/>
+                <a16:creationId xmlns:a16="http://schemas.microsoft.com/office/drawing/2014/main" id="{C4DB8C69-6FFC-4A86-EDF4-627B033A0EC3}"/>
               </a:ext>
             </a:extLst>
           </p:cNvPr>
@@ -1396,7 +1396,7 @@
           <a:bodyPr/>
           <a:lstStyle/>
           <a:p>
-            <a:fld id="{DE4FACD0-4350-4C3B-BA98-0B32BA826B58}" type="datetimeFigureOut">
+            <a:fld id="{C28A1082-2CB0-49A1-A2C5-B07A600F5C82}" type="datetimeFigureOut">
               <a:rPr lang="zh-CN" altLang="en-US" smtClean="0"/>
               <a:t>2024/3/10</a:t>
             </a:fld>
@@ -1409,7 +1409,7 @@
           <p:cNvPr id="6" name="页脚占位符 5">
             <a:extLst>
               <a:ext uri="{FF2B5EF4-FFF2-40B4-BE49-F238E27FC236}">
-                <a16:creationId xmlns:a16="http://schemas.microsoft.com/office/drawing/2014/main" id="{0163AD38-055B-DBEB-89F7-A08E0CE5F653}"/>
+                <a16:creationId xmlns:a16="http://schemas.microsoft.com/office/drawing/2014/main" id="{4F0AE010-9448-A060-1CD0-A07E72A356BC}"/>
               </a:ext>
             </a:extLst>
           </p:cNvPr>
@@ -1434,7 +1434,7 @@
           <p:cNvPr id="7" name="灯片编号占位符 6">
             <a:extLst>
               <a:ext uri="{FF2B5EF4-FFF2-40B4-BE49-F238E27FC236}">
-                <a16:creationId xmlns:a16="http://schemas.microsoft.com/office/drawing/2014/main" id="{8F8040CD-4B75-6FCF-5E76-BDAF8524D543}"/>
+                <a16:creationId xmlns:a16="http://schemas.microsoft.com/office/drawing/2014/main" id="{425236E0-1237-66C8-3C6F-A3BE40E862EE}"/>
               </a:ext>
             </a:extLst>
           </p:cNvPr>
@@ -1450,7 +1450,7 @@
           <a:bodyPr/>
           <a:lstStyle/>
           <a:p>
-            <a:fld id="{2859BFD4-2EDA-4E1D-A65E-212221953778}" type="slidenum">
+            <a:fld id="{ADE3FD26-F8EE-4FC9-953A-E7C9F644B483}" type="slidenum">
               <a:rPr lang="zh-CN" altLang="en-US" smtClean="0"/>
               <a:t>‹#›</a:t>
             </a:fld>
@@ -1461,7 +1461,7 @@
     </p:spTree>
     <p:extLst>
       <p:ext uri="{BB962C8B-B14F-4D97-AF65-F5344CB8AC3E}">
-        <p14:creationId xmlns:p14="http://schemas.microsoft.com/office/powerpoint/2010/main" val="3533466514"/>
+        <p14:creationId xmlns:p14="http://schemas.microsoft.com/office/powerpoint/2010/main" val="121997626"/>
       </p:ext>
     </p:extLst>
   </p:cSld>
@@ -1493,7 +1493,7 @@
           <p:cNvPr id="2" name="标题 1">
             <a:extLst>
               <a:ext uri="{FF2B5EF4-FFF2-40B4-BE49-F238E27FC236}">
-                <a16:creationId xmlns:a16="http://schemas.microsoft.com/office/drawing/2014/main" id="{80E2D577-B7B6-1136-C347-A752192761C1}"/>
+                <a16:creationId xmlns:a16="http://schemas.microsoft.com/office/drawing/2014/main" id="{7558A768-9A9C-BD50-36AA-EF28BB578CDF}"/>
               </a:ext>
             </a:extLst>
           </p:cNvPr>
@@ -1526,7 +1526,7 @@
           <p:cNvPr id="3" name="文本占位符 2">
             <a:extLst>
               <a:ext uri="{FF2B5EF4-FFF2-40B4-BE49-F238E27FC236}">
-                <a16:creationId xmlns:a16="http://schemas.microsoft.com/office/drawing/2014/main" id="{04A2888C-6F72-4DC9-0848-5885D9EABBCF}"/>
+                <a16:creationId xmlns:a16="http://schemas.microsoft.com/office/drawing/2014/main" id="{97EFF46A-29AE-F1A4-6968-05E6E4613733}"/>
               </a:ext>
             </a:extLst>
           </p:cNvPr>
@@ -1597,7 +1597,7 @@
           <p:cNvPr id="4" name="内容占位符 3">
             <a:extLst>
               <a:ext uri="{FF2B5EF4-FFF2-40B4-BE49-F238E27FC236}">
-                <a16:creationId xmlns:a16="http://schemas.microsoft.com/office/drawing/2014/main" id="{6CA59A79-ADDB-9F1C-3BEF-F607ECB27102}"/>
+                <a16:creationId xmlns:a16="http://schemas.microsoft.com/office/drawing/2014/main" id="{D526974A-79FB-5597-BF7E-1CCE40B4D4C3}"/>
               </a:ext>
             </a:extLst>
           </p:cNvPr>
@@ -1659,7 +1659,7 @@
           <p:cNvPr id="5" name="文本占位符 4">
             <a:extLst>
               <a:ext uri="{FF2B5EF4-FFF2-40B4-BE49-F238E27FC236}">
-                <a16:creationId xmlns:a16="http://schemas.microsoft.com/office/drawing/2014/main" id="{B4170AFC-FD1B-E373-FB91-4232ED486528}"/>
+                <a16:creationId xmlns:a16="http://schemas.microsoft.com/office/drawing/2014/main" id="{C61F51C8-16C3-123B-F2F6-70F0C5ECD821}"/>
               </a:ext>
             </a:extLst>
           </p:cNvPr>
@@ -1730,7 +1730,7 @@
           <p:cNvPr id="6" name="内容占位符 5">
             <a:extLst>
               <a:ext uri="{FF2B5EF4-FFF2-40B4-BE49-F238E27FC236}">
-                <a16:creationId xmlns:a16="http://schemas.microsoft.com/office/drawing/2014/main" id="{89D7E699-A648-8761-507A-63FE2CE5FBA8}"/>
+                <a16:creationId xmlns:a16="http://schemas.microsoft.com/office/drawing/2014/main" id="{23A249C0-D878-51B6-F655-CE8B643F1B43}"/>
               </a:ext>
             </a:extLst>
           </p:cNvPr>
@@ -1792,7 +1792,7 @@
           <p:cNvPr id="7" name="日期占位符 6">
             <a:extLst>
               <a:ext uri="{FF2B5EF4-FFF2-40B4-BE49-F238E27FC236}">
-                <a16:creationId xmlns:a16="http://schemas.microsoft.com/office/drawing/2014/main" id="{2E58644F-15D0-67B5-E305-30FF20680EE3}"/>
+                <a16:creationId xmlns:a16="http://schemas.microsoft.com/office/drawing/2014/main" id="{034ED313-9670-96FC-4F96-59DE6FC5A366}"/>
               </a:ext>
             </a:extLst>
           </p:cNvPr>
@@ -1808,7 +1808,7 @@
           <a:bodyPr/>
           <a:lstStyle/>
           <a:p>
-            <a:fld id="{DE4FACD0-4350-4C3B-BA98-0B32BA826B58}" type="datetimeFigureOut">
+            <a:fld id="{C28A1082-2CB0-49A1-A2C5-B07A600F5C82}" type="datetimeFigureOut">
               <a:rPr lang="zh-CN" altLang="en-US" smtClean="0"/>
               <a:t>2024/3/10</a:t>
             </a:fld>
@@ -1821,7 +1821,7 @@
           <p:cNvPr id="8" name="页脚占位符 7">
             <a:extLst>
               <a:ext uri="{FF2B5EF4-FFF2-40B4-BE49-F238E27FC236}">
-                <a16:creationId xmlns:a16="http://schemas.microsoft.com/office/drawing/2014/main" id="{4F3F8FD9-DCCC-F5D9-B05E-DE1389AB7EFD}"/>
+                <a16:creationId xmlns:a16="http://schemas.microsoft.com/office/drawing/2014/main" id="{A172E9E5-369E-3F4C-7944-D2C7E0E964BC}"/>
               </a:ext>
             </a:extLst>
           </p:cNvPr>
@@ -1846,7 +1846,7 @@
           <p:cNvPr id="9" name="灯片编号占位符 8">
             <a:extLst>
               <a:ext uri="{FF2B5EF4-FFF2-40B4-BE49-F238E27FC236}">
-                <a16:creationId xmlns:a16="http://schemas.microsoft.com/office/drawing/2014/main" id="{78BC0117-1BFB-DE67-0CFA-EEFC24B99A14}"/>
+                <a16:creationId xmlns:a16="http://schemas.microsoft.com/office/drawing/2014/main" id="{4D5B61FB-4E88-4990-AB5C-13B27ACC4112}"/>
               </a:ext>
             </a:extLst>
           </p:cNvPr>
@@ -1862,7 +1862,7 @@
           <a:bodyPr/>
           <a:lstStyle/>
           <a:p>
-            <a:fld id="{2859BFD4-2EDA-4E1D-A65E-212221953778}" type="slidenum">
+            <a:fld id="{ADE3FD26-F8EE-4FC9-953A-E7C9F644B483}" type="slidenum">
               <a:rPr lang="zh-CN" altLang="en-US" smtClean="0"/>
               <a:t>‹#›</a:t>
             </a:fld>
@@ -1873,7 +1873,7 @@
     </p:spTree>
     <p:extLst>
       <p:ext uri="{BB962C8B-B14F-4D97-AF65-F5344CB8AC3E}">
-        <p14:creationId xmlns:p14="http://schemas.microsoft.com/office/powerpoint/2010/main" val="2003437035"/>
+        <p14:creationId xmlns:p14="http://schemas.microsoft.com/office/powerpoint/2010/main" val="2068448250"/>
       </p:ext>
     </p:extLst>
   </p:cSld>
@@ -1905,7 +1905,7 @@
           <p:cNvPr id="2" name="标题 1">
             <a:extLst>
               <a:ext uri="{FF2B5EF4-FFF2-40B4-BE49-F238E27FC236}">
-                <a16:creationId xmlns:a16="http://schemas.microsoft.com/office/drawing/2014/main" id="{64DAAC62-04FF-A73D-7E92-FC0F611CE5E2}"/>
+                <a16:creationId xmlns:a16="http://schemas.microsoft.com/office/drawing/2014/main" id="{5D55C508-B229-3900-5E76-ADDF3A028401}"/>
               </a:ext>
             </a:extLst>
           </p:cNvPr>
@@ -1933,7 +1933,7 @@
           <p:cNvPr id="3" name="日期占位符 2">
             <a:extLst>
               <a:ext uri="{FF2B5EF4-FFF2-40B4-BE49-F238E27FC236}">
-                <a16:creationId xmlns:a16="http://schemas.microsoft.com/office/drawing/2014/main" id="{65C049C2-0607-F640-9994-551E616761D5}"/>
+                <a16:creationId xmlns:a16="http://schemas.microsoft.com/office/drawing/2014/main" id="{572F07A2-96FC-0CFD-883A-832B434C5BE3}"/>
               </a:ext>
             </a:extLst>
           </p:cNvPr>
@@ -1949,7 +1949,7 @@
           <a:bodyPr/>
           <a:lstStyle/>
           <a:p>
-            <a:fld id="{DE4FACD0-4350-4C3B-BA98-0B32BA826B58}" type="datetimeFigureOut">
+            <a:fld id="{C28A1082-2CB0-49A1-A2C5-B07A600F5C82}" type="datetimeFigureOut">
               <a:rPr lang="zh-CN" altLang="en-US" smtClean="0"/>
               <a:t>2024/3/10</a:t>
             </a:fld>
@@ -1962,7 +1962,7 @@
           <p:cNvPr id="4" name="页脚占位符 3">
             <a:extLst>
               <a:ext uri="{FF2B5EF4-FFF2-40B4-BE49-F238E27FC236}">
-                <a16:creationId xmlns:a16="http://schemas.microsoft.com/office/drawing/2014/main" id="{897ACF6E-1970-B217-9420-851A0A946C16}"/>
+                <a16:creationId xmlns:a16="http://schemas.microsoft.com/office/drawing/2014/main" id="{78B7E879-C469-A286-9ADD-364A8A439792}"/>
               </a:ext>
             </a:extLst>
           </p:cNvPr>
@@ -1987,7 +1987,7 @@
           <p:cNvPr id="5" name="灯片编号占位符 4">
             <a:extLst>
               <a:ext uri="{FF2B5EF4-FFF2-40B4-BE49-F238E27FC236}">
-                <a16:creationId xmlns:a16="http://schemas.microsoft.com/office/drawing/2014/main" id="{B3A3B414-0C76-9D93-56E6-85B67AB66BC3}"/>
+                <a16:creationId xmlns:a16="http://schemas.microsoft.com/office/drawing/2014/main" id="{D21BF2C1-AE51-E74F-D563-0E2F6BE9056E}"/>
               </a:ext>
             </a:extLst>
           </p:cNvPr>
@@ -2003,7 +2003,7 @@
           <a:bodyPr/>
           <a:lstStyle/>
           <a:p>
-            <a:fld id="{2859BFD4-2EDA-4E1D-A65E-212221953778}" type="slidenum">
+            <a:fld id="{ADE3FD26-F8EE-4FC9-953A-E7C9F644B483}" type="slidenum">
               <a:rPr lang="zh-CN" altLang="en-US" smtClean="0"/>
               <a:t>‹#›</a:t>
             </a:fld>
@@ -2014,7 +2014,7 @@
     </p:spTree>
     <p:extLst>
       <p:ext uri="{BB962C8B-B14F-4D97-AF65-F5344CB8AC3E}">
-        <p14:creationId xmlns:p14="http://schemas.microsoft.com/office/powerpoint/2010/main" val="1090640407"/>
+        <p14:creationId xmlns:p14="http://schemas.microsoft.com/office/powerpoint/2010/main" val="3644008910"/>
       </p:ext>
     </p:extLst>
   </p:cSld>
@@ -2046,7 +2046,7 @@
           <p:cNvPr id="2" name="日期占位符 1">
             <a:extLst>
               <a:ext uri="{FF2B5EF4-FFF2-40B4-BE49-F238E27FC236}">
-                <a16:creationId xmlns:a16="http://schemas.microsoft.com/office/drawing/2014/main" id="{99E847CD-7D32-043E-7FAD-8C02038F52B5}"/>
+                <a16:creationId xmlns:a16="http://schemas.microsoft.com/office/drawing/2014/main" id="{11010129-5F2F-EB74-76D8-76C386B70CA1}"/>
               </a:ext>
             </a:extLst>
           </p:cNvPr>
@@ -2062,7 +2062,7 @@
           <a:bodyPr/>
           <a:lstStyle/>
           <a:p>
-            <a:fld id="{DE4FACD0-4350-4C3B-BA98-0B32BA826B58}" type="datetimeFigureOut">
+            <a:fld id="{C28A1082-2CB0-49A1-A2C5-B07A600F5C82}" type="datetimeFigureOut">
               <a:rPr lang="zh-CN" altLang="en-US" smtClean="0"/>
               <a:t>2024/3/10</a:t>
             </a:fld>
@@ -2075,7 +2075,7 @@
           <p:cNvPr id="3" name="页脚占位符 2">
             <a:extLst>
               <a:ext uri="{FF2B5EF4-FFF2-40B4-BE49-F238E27FC236}">
-                <a16:creationId xmlns:a16="http://schemas.microsoft.com/office/drawing/2014/main" id="{730BC9A7-2BA2-88DE-5FA6-57327705CB4A}"/>
+                <a16:creationId xmlns:a16="http://schemas.microsoft.com/office/drawing/2014/main" id="{BF5481CE-534D-FF5F-DB63-12571B0B427C}"/>
               </a:ext>
             </a:extLst>
           </p:cNvPr>
@@ -2100,7 +2100,7 @@
           <p:cNvPr id="4" name="灯片编号占位符 3">
             <a:extLst>
               <a:ext uri="{FF2B5EF4-FFF2-40B4-BE49-F238E27FC236}">
-                <a16:creationId xmlns:a16="http://schemas.microsoft.com/office/drawing/2014/main" id="{F1AE3AED-4E61-948E-7F13-5CA0C698A309}"/>
+                <a16:creationId xmlns:a16="http://schemas.microsoft.com/office/drawing/2014/main" id="{B44F1DB5-D5FB-88F0-E102-40C1C24AF723}"/>
               </a:ext>
             </a:extLst>
           </p:cNvPr>
@@ -2116,7 +2116,7 @@
           <a:bodyPr/>
           <a:lstStyle/>
           <a:p>
-            <a:fld id="{2859BFD4-2EDA-4E1D-A65E-212221953778}" type="slidenum">
+            <a:fld id="{ADE3FD26-F8EE-4FC9-953A-E7C9F644B483}" type="slidenum">
               <a:rPr lang="zh-CN" altLang="en-US" smtClean="0"/>
               <a:t>‹#›</a:t>
             </a:fld>
@@ -2127,7 +2127,7 @@
     </p:spTree>
     <p:extLst>
       <p:ext uri="{BB962C8B-B14F-4D97-AF65-F5344CB8AC3E}">
-        <p14:creationId xmlns:p14="http://schemas.microsoft.com/office/powerpoint/2010/main" val="1985787882"/>
+        <p14:creationId xmlns:p14="http://schemas.microsoft.com/office/powerpoint/2010/main" val="2409599461"/>
       </p:ext>
     </p:extLst>
   </p:cSld>
@@ -2159,7 +2159,7 @@
           <p:cNvPr id="2" name="标题 1">
             <a:extLst>
               <a:ext uri="{FF2B5EF4-FFF2-40B4-BE49-F238E27FC236}">
-                <a16:creationId xmlns:a16="http://schemas.microsoft.com/office/drawing/2014/main" id="{B2ADE947-91BC-64D0-1716-4DFB6F9C002F}"/>
+                <a16:creationId xmlns:a16="http://schemas.microsoft.com/office/drawing/2014/main" id="{306BD3A4-AE57-C404-158C-28A55E2FEB7B}"/>
               </a:ext>
             </a:extLst>
           </p:cNvPr>
@@ -2196,7 +2196,7 @@
           <p:cNvPr id="3" name="内容占位符 2">
             <a:extLst>
               <a:ext uri="{FF2B5EF4-FFF2-40B4-BE49-F238E27FC236}">
-                <a16:creationId xmlns:a16="http://schemas.microsoft.com/office/drawing/2014/main" id="{C63130AD-FB41-138D-C9DF-4F66697E1AF6}"/>
+                <a16:creationId xmlns:a16="http://schemas.microsoft.com/office/drawing/2014/main" id="{248E90FC-BA1D-4139-E80D-3A6F28F4F028}"/>
               </a:ext>
             </a:extLst>
           </p:cNvPr>
@@ -2286,7 +2286,7 @@
           <p:cNvPr id="4" name="文本占位符 3">
             <a:extLst>
               <a:ext uri="{FF2B5EF4-FFF2-40B4-BE49-F238E27FC236}">
-                <a16:creationId xmlns:a16="http://schemas.microsoft.com/office/drawing/2014/main" id="{FAE144B2-25A8-A6E1-0010-F89F317384BA}"/>
+                <a16:creationId xmlns:a16="http://schemas.microsoft.com/office/drawing/2014/main" id="{307C48A7-0DD4-BFC9-6D92-6E5918451221}"/>
               </a:ext>
             </a:extLst>
           </p:cNvPr>
@@ -2357,7 +2357,7 @@
           <p:cNvPr id="5" name="日期占位符 4">
             <a:extLst>
               <a:ext uri="{FF2B5EF4-FFF2-40B4-BE49-F238E27FC236}">
-                <a16:creationId xmlns:a16="http://schemas.microsoft.com/office/drawing/2014/main" id="{5384228B-0E94-118F-35FC-F5C007C775E4}"/>
+                <a16:creationId xmlns:a16="http://schemas.microsoft.com/office/drawing/2014/main" id="{D1AFD6ED-6AD7-30EB-915F-EAC40DC4E76F}"/>
               </a:ext>
             </a:extLst>
           </p:cNvPr>
@@ -2373,7 +2373,7 @@
           <a:bodyPr/>
           <a:lstStyle/>
           <a:p>
-            <a:fld id="{DE4FACD0-4350-4C3B-BA98-0B32BA826B58}" type="datetimeFigureOut">
+            <a:fld id="{C28A1082-2CB0-49A1-A2C5-B07A600F5C82}" type="datetimeFigureOut">
               <a:rPr lang="zh-CN" altLang="en-US" smtClean="0"/>
               <a:t>2024/3/10</a:t>
             </a:fld>
@@ -2386,7 +2386,7 @@
           <p:cNvPr id="6" name="页脚占位符 5">
             <a:extLst>
               <a:ext uri="{FF2B5EF4-FFF2-40B4-BE49-F238E27FC236}">
-                <a16:creationId xmlns:a16="http://schemas.microsoft.com/office/drawing/2014/main" id="{59B07828-A3A4-8F19-5726-623A1FD07FDF}"/>
+                <a16:creationId xmlns:a16="http://schemas.microsoft.com/office/drawing/2014/main" id="{439A2FD5-6C1A-35E0-49C2-87A0FB28E438}"/>
               </a:ext>
             </a:extLst>
           </p:cNvPr>
@@ -2411,7 +2411,7 @@
           <p:cNvPr id="7" name="灯片编号占位符 6">
             <a:extLst>
               <a:ext uri="{FF2B5EF4-FFF2-40B4-BE49-F238E27FC236}">
-                <a16:creationId xmlns:a16="http://schemas.microsoft.com/office/drawing/2014/main" id="{D2D8A476-D87A-EBBF-4A27-0C7BDA640FCB}"/>
+                <a16:creationId xmlns:a16="http://schemas.microsoft.com/office/drawing/2014/main" id="{982BDFEF-3E8F-0F04-9600-CE57683C1B71}"/>
               </a:ext>
             </a:extLst>
           </p:cNvPr>
@@ -2427,7 +2427,7 @@
           <a:bodyPr/>
           <a:lstStyle/>
           <a:p>
-            <a:fld id="{2859BFD4-2EDA-4E1D-A65E-212221953778}" type="slidenum">
+            <a:fld id="{ADE3FD26-F8EE-4FC9-953A-E7C9F644B483}" type="slidenum">
               <a:rPr lang="zh-CN" altLang="en-US" smtClean="0"/>
               <a:t>‹#›</a:t>
             </a:fld>
@@ -2438,7 +2438,7 @@
     </p:spTree>
     <p:extLst>
       <p:ext uri="{BB962C8B-B14F-4D97-AF65-F5344CB8AC3E}">
-        <p14:creationId xmlns:p14="http://schemas.microsoft.com/office/powerpoint/2010/main" val="709314663"/>
+        <p14:creationId xmlns:p14="http://schemas.microsoft.com/office/powerpoint/2010/main" val="2801258000"/>
       </p:ext>
     </p:extLst>
   </p:cSld>
@@ -2470,7 +2470,7 @@
           <p:cNvPr id="2" name="标题 1">
             <a:extLst>
               <a:ext uri="{FF2B5EF4-FFF2-40B4-BE49-F238E27FC236}">
-                <a16:creationId xmlns:a16="http://schemas.microsoft.com/office/drawing/2014/main" id="{494C66B3-81B2-11F3-768E-6E965AC6A21A}"/>
+                <a16:creationId xmlns:a16="http://schemas.microsoft.com/office/drawing/2014/main" id="{8FEB6964-34FA-27A3-F3E1-4815903B1C50}"/>
               </a:ext>
             </a:extLst>
           </p:cNvPr>
@@ -2507,7 +2507,7 @@
           <p:cNvPr id="3" name="图片占位符 2">
             <a:extLst>
               <a:ext uri="{FF2B5EF4-FFF2-40B4-BE49-F238E27FC236}">
-                <a16:creationId xmlns:a16="http://schemas.microsoft.com/office/drawing/2014/main" id="{65359722-1E27-869A-941E-94A62AABC56E}"/>
+                <a16:creationId xmlns:a16="http://schemas.microsoft.com/office/drawing/2014/main" id="{C8AE83A1-77E2-155B-1F34-915676EAEDEB}"/>
               </a:ext>
             </a:extLst>
           </p:cNvPr>
@@ -2574,7 +2574,7 @@
           <p:cNvPr id="4" name="文本占位符 3">
             <a:extLst>
               <a:ext uri="{FF2B5EF4-FFF2-40B4-BE49-F238E27FC236}">
-                <a16:creationId xmlns:a16="http://schemas.microsoft.com/office/drawing/2014/main" id="{0FF1CDF2-7680-8832-868E-A97D5B4079BD}"/>
+                <a16:creationId xmlns:a16="http://schemas.microsoft.com/office/drawing/2014/main" id="{CCC9D382-23ED-56DA-8B8E-67A4C57F749A}"/>
               </a:ext>
             </a:extLst>
           </p:cNvPr>
@@ -2645,7 +2645,7 @@
           <p:cNvPr id="5" name="日期占位符 4">
             <a:extLst>
               <a:ext uri="{FF2B5EF4-FFF2-40B4-BE49-F238E27FC236}">
-                <a16:creationId xmlns:a16="http://schemas.microsoft.com/office/drawing/2014/main" id="{689F2DE4-C4F5-5DB2-D473-B2E19C386CB4}"/>
+                <a16:creationId xmlns:a16="http://schemas.microsoft.com/office/drawing/2014/main" id="{4CDC633F-7B28-AD97-1593-F44ABE352520}"/>
               </a:ext>
             </a:extLst>
           </p:cNvPr>
@@ -2661,7 +2661,7 @@
           <a:bodyPr/>
           <a:lstStyle/>
           <a:p>
-            <a:fld id="{DE4FACD0-4350-4C3B-BA98-0B32BA826B58}" type="datetimeFigureOut">
+            <a:fld id="{C28A1082-2CB0-49A1-A2C5-B07A600F5C82}" type="datetimeFigureOut">
               <a:rPr lang="zh-CN" altLang="en-US" smtClean="0"/>
               <a:t>2024/3/10</a:t>
             </a:fld>
@@ -2674,7 +2674,7 @@
           <p:cNvPr id="6" name="页脚占位符 5">
             <a:extLst>
               <a:ext uri="{FF2B5EF4-FFF2-40B4-BE49-F238E27FC236}">
-                <a16:creationId xmlns:a16="http://schemas.microsoft.com/office/drawing/2014/main" id="{858FC4A0-93CB-CC07-AF3E-68653297F1B5}"/>
+                <a16:creationId xmlns:a16="http://schemas.microsoft.com/office/drawing/2014/main" id="{5C042D37-0C19-98A8-045D-C9DCA6C97F3B}"/>
               </a:ext>
             </a:extLst>
           </p:cNvPr>
@@ -2699,7 +2699,7 @@
           <p:cNvPr id="7" name="灯片编号占位符 6">
             <a:extLst>
               <a:ext uri="{FF2B5EF4-FFF2-40B4-BE49-F238E27FC236}">
-                <a16:creationId xmlns:a16="http://schemas.microsoft.com/office/drawing/2014/main" id="{0D4647FA-5856-460A-0492-13F58F284C4C}"/>
+                <a16:creationId xmlns:a16="http://schemas.microsoft.com/office/drawing/2014/main" id="{EF08D304-2CE0-E862-3D8B-3B413BC70756}"/>
               </a:ext>
             </a:extLst>
           </p:cNvPr>
@@ -2715,7 +2715,7 @@
           <a:bodyPr/>
           <a:lstStyle/>
           <a:p>
-            <a:fld id="{2859BFD4-2EDA-4E1D-A65E-212221953778}" type="slidenum">
+            <a:fld id="{ADE3FD26-F8EE-4FC9-953A-E7C9F644B483}" type="slidenum">
               <a:rPr lang="zh-CN" altLang="en-US" smtClean="0"/>
               <a:t>‹#›</a:t>
             </a:fld>
@@ -2726,7 +2726,7 @@
     </p:spTree>
     <p:extLst>
       <p:ext uri="{BB962C8B-B14F-4D97-AF65-F5344CB8AC3E}">
-        <p14:creationId xmlns:p14="http://schemas.microsoft.com/office/powerpoint/2010/main" val="4050005725"/>
+        <p14:creationId xmlns:p14="http://schemas.microsoft.com/office/powerpoint/2010/main" val="1574920305"/>
       </p:ext>
     </p:extLst>
   </p:cSld>
@@ -2763,7 +2763,7 @@
           <p:cNvPr id="2" name="标题占位符 1">
             <a:extLst>
               <a:ext uri="{FF2B5EF4-FFF2-40B4-BE49-F238E27FC236}">
-                <a16:creationId xmlns:a16="http://schemas.microsoft.com/office/drawing/2014/main" id="{CE09F679-6DA0-B16D-3FDC-572C3BBF81FC}"/>
+                <a16:creationId xmlns:a16="http://schemas.microsoft.com/office/drawing/2014/main" id="{FBCDBE08-1983-8057-578B-823FF29BDB21}"/>
               </a:ext>
             </a:extLst>
           </p:cNvPr>
@@ -2801,7 +2801,7 @@
           <p:cNvPr id="3" name="文本占位符 2">
             <a:extLst>
               <a:ext uri="{FF2B5EF4-FFF2-40B4-BE49-F238E27FC236}">
-                <a16:creationId xmlns:a16="http://schemas.microsoft.com/office/drawing/2014/main" id="{3BB3AA6A-8CC7-18FE-5131-391B9772AF32}"/>
+                <a16:creationId xmlns:a16="http://schemas.microsoft.com/office/drawing/2014/main" id="{88D4A23F-01D7-D25E-7591-9B9C86262297}"/>
               </a:ext>
             </a:extLst>
           </p:cNvPr>
@@ -2868,7 +2868,7 @@
           <p:cNvPr id="4" name="日期占位符 3">
             <a:extLst>
               <a:ext uri="{FF2B5EF4-FFF2-40B4-BE49-F238E27FC236}">
-                <a16:creationId xmlns:a16="http://schemas.microsoft.com/office/drawing/2014/main" id="{0650E238-6B10-207A-EB9C-11B19AC340D8}"/>
+                <a16:creationId xmlns:a16="http://schemas.microsoft.com/office/drawing/2014/main" id="{143C2023-531E-D360-A68E-D94C0DF77B3D}"/>
               </a:ext>
             </a:extLst>
           </p:cNvPr>
@@ -2902,7 +2902,7 @@
             </a:lvl1pPr>
           </a:lstStyle>
           <a:p>
-            <a:fld id="{DE4FACD0-4350-4C3B-BA98-0B32BA826B58}" type="datetimeFigureOut">
+            <a:fld id="{C28A1082-2CB0-49A1-A2C5-B07A600F5C82}" type="datetimeFigureOut">
               <a:rPr lang="zh-CN" altLang="en-US" smtClean="0"/>
               <a:t>2024/3/10</a:t>
             </a:fld>
@@ -2915,7 +2915,7 @@
           <p:cNvPr id="5" name="页脚占位符 4">
             <a:extLst>
               <a:ext uri="{FF2B5EF4-FFF2-40B4-BE49-F238E27FC236}">
-                <a16:creationId xmlns:a16="http://schemas.microsoft.com/office/drawing/2014/main" id="{2D9C5682-A1EF-DA5E-4C86-42D42C029AC6}"/>
+                <a16:creationId xmlns:a16="http://schemas.microsoft.com/office/drawing/2014/main" id="{3F98E1A1-5E95-5226-E9EE-AF7BF1A440D8}"/>
               </a:ext>
             </a:extLst>
           </p:cNvPr>
@@ -2958,7 +2958,7 @@
           <p:cNvPr id="6" name="灯片编号占位符 5">
             <a:extLst>
               <a:ext uri="{FF2B5EF4-FFF2-40B4-BE49-F238E27FC236}">
-                <a16:creationId xmlns:a16="http://schemas.microsoft.com/office/drawing/2014/main" id="{D285E63B-499C-069A-62DA-8EA7349C1195}"/>
+                <a16:creationId xmlns:a16="http://schemas.microsoft.com/office/drawing/2014/main" id="{582BA252-F444-FA56-8A93-6B90043FE8C8}"/>
               </a:ext>
             </a:extLst>
           </p:cNvPr>
@@ -2992,7 +2992,7 @@
             </a:lvl1pPr>
           </a:lstStyle>
           <a:p>
-            <a:fld id="{2859BFD4-2EDA-4E1D-A65E-212221953778}" type="slidenum">
+            <a:fld id="{ADE3FD26-F8EE-4FC9-953A-E7C9F644B483}" type="slidenum">
               <a:rPr lang="zh-CN" altLang="en-US" smtClean="0"/>
               <a:t>‹#›</a:t>
             </a:fld>
@@ -3003,7 +3003,7 @@
     </p:spTree>
     <p:extLst>
       <p:ext uri="{BB962C8B-B14F-4D97-AF65-F5344CB8AC3E}">
-        <p14:creationId xmlns:p14="http://schemas.microsoft.com/office/powerpoint/2010/main" val="1610429672"/>
+        <p14:creationId xmlns:p14="http://schemas.microsoft.com/office/powerpoint/2010/main" val="1824939632"/>
       </p:ext>
     </p:extLst>
   </p:cSld>
